--- a/tutorial45.pptx
+++ b/tutorial45.pptx
@@ -9364,7 +9364,7 @@
         </p:nvSpPr>
         <p:spPr>
           <a:xfrm>
-            <a:off x="826896" y="2713731"/>
+            <a:off x="826896" y="2844097"/>
             <a:ext cx="6476429" cy="1200329"/>
           </a:xfrm>
           <a:prstGeom prst="rect">
@@ -9420,6 +9420,86 @@
               <a:rPr lang="en-DE" dirty="0"/>
               <a:t> import the image as ami</a:t>
             </a:r>
+          </a:p>
+        </p:txBody>
+      </p:sp>
+      <p:sp>
+        <p:nvSpPr>
+          <p:cNvPr id="4" name="TextBox 3">
+            <a:extLst>
+              <a:ext uri="{FF2B5EF4-FFF2-40B4-BE49-F238E27FC236}">
+                <a16:creationId xmlns:a16="http://schemas.microsoft.com/office/drawing/2014/main" id="{F63B75D6-FAF6-1D43-88D2-3F62BF83D637}"/>
+              </a:ext>
+            </a:extLst>
+          </p:cNvPr>
+          <p:cNvSpPr txBox="1"/>
+          <p:nvPr/>
+        </p:nvSpPr>
+        <p:spPr>
+          <a:xfrm>
+            <a:off x="826896" y="2226651"/>
+            <a:ext cx="7548348" cy="369332"/>
+          </a:xfrm>
+          <a:prstGeom prst="rect">
+            <a:avLst/>
+          </a:prstGeom>
+          <a:noFill/>
+        </p:spPr>
+        <p:txBody>
+          <a:bodyPr wrap="none" rtlCol="0">
+            <a:spAutoFit/>
+          </a:bodyPr>
+          <a:lstStyle/>
+          <a:p>
+            <a:r>
+              <a:rPr lang="en-GB" dirty="0"/>
+              <a:t>https://</a:t>
+            </a:r>
+            <a:r>
+              <a:rPr lang="en-GB" dirty="0" err="1"/>
+              <a:t>docs.amazonaws.cn</a:t>
+            </a:r>
+            <a:r>
+              <a:rPr lang="en-GB" dirty="0"/>
+              <a:t>/</a:t>
+            </a:r>
+            <a:r>
+              <a:rPr lang="en-GB" dirty="0" err="1"/>
+              <a:t>en_us</a:t>
+            </a:r>
+            <a:r>
+              <a:rPr lang="en-GB" dirty="0"/>
+              <a:t>/</a:t>
+            </a:r>
+            <a:r>
+              <a:rPr lang="en-GB" dirty="0" err="1"/>
+              <a:t>vm</a:t>
+            </a:r>
+            <a:r>
+              <a:rPr lang="en-GB" dirty="0"/>
+              <a:t>-import/latest/</a:t>
+            </a:r>
+            <a:r>
+              <a:rPr lang="en-GB" dirty="0" err="1"/>
+              <a:t>userguide</a:t>
+            </a:r>
+            <a:r>
+              <a:rPr lang="en-GB" dirty="0"/>
+              <a:t>/</a:t>
+            </a:r>
+            <a:r>
+              <a:rPr lang="en-GB" dirty="0" err="1"/>
+              <a:t>vm</a:t>
+            </a:r>
+            <a:r>
+              <a:rPr lang="en-GB" dirty="0"/>
+              <a:t>-import-</a:t>
+            </a:r>
+            <a:r>
+              <a:rPr lang="en-GB" dirty="0" err="1"/>
+              <a:t>ug.pdf</a:t>
+            </a:r>
+            <a:endParaRPr lang="en-DE" dirty="0"/>
           </a:p>
         </p:txBody>
       </p:sp>
